--- a/linq/slides/05_EntityFramework.pptx
+++ b/linq/slides/05_EntityFramework.pptx
@@ -3353,7 +3353,7 @@
               <a:pPr>
                 <a:defRPr/>
               </a:pPr>
-              <a:t>9/27/2011</a:t>
+              <a:t>5/8/2012</a:t>
             </a:fld>
             <a:endParaRPr lang="en-US"/>
           </a:p>
@@ -8986,14 +8986,21 @@
                 <a:latin typeface="Myriad Pro Light" pitchFamily="34" charset="0"/>
                 <a:cs typeface="Segoe UI" pitchFamily="34" charset="0"/>
               </a:rPr>
-              <a:t>Turn on/off as </a:t>
-            </a:r>
-            <a:r>
-              <a:rPr lang="en-US" sz="2000" kern="0" smtClean="0">
+              <a:t>Turn on/off </a:t>
+            </a:r>
+            <a:r>
+              <a:rPr lang="en-US" sz="2000" kern="0" dirty="0" smtClean="0">
                 <a:latin typeface="Myriad Pro Light" pitchFamily="34" charset="0"/>
                 <a:cs typeface="Segoe UI" pitchFamily="34" charset="0"/>
               </a:rPr>
-              <a:t>ContentOptions</a:t>
+              <a:t>in .</a:t>
+            </a:r>
+            <a:r>
+              <a:rPr lang="en-US" sz="2000" kern="0" dirty="0" err="1" smtClean="0">
+                <a:latin typeface="Myriad Pro Light" pitchFamily="34" charset="0"/>
+                <a:cs typeface="Segoe UI" pitchFamily="34" charset="0"/>
+              </a:rPr>
+              <a:t>ContextOptions</a:t>
             </a:r>
             <a:endParaRPr lang="en-US" sz="2000" kern="0" dirty="0" smtClean="0">
               <a:latin typeface="Myriad Pro Light" pitchFamily="34" charset="0"/>
@@ -9050,10 +9057,10 @@
                 <a:ea typeface="+mn-ea"/>
                 <a:cs typeface="Segoe UI" pitchFamily="34" charset="0"/>
               </a:rPr>
-              <a:t> also eager load using an Include method on the </a:t>
-            </a:r>
-            <a:r>
-              <a:rPr kumimoji="0" lang="en-US" sz="2000" b="1" i="0" u="none" strike="noStrike" kern="0" cap="none" spc="0" normalizeH="0" noProof="0" dirty="0" err="1" smtClean="0">
+              <a:t> also eager load </a:t>
+            </a:r>
+            <a:r>
+              <a:rPr kumimoji="0" lang="en-US" sz="2000" b="1" i="0" u="none" strike="noStrike" kern="0" cap="none" spc="0" normalizeH="0" noProof="0" smtClean="0">
                 <a:ln>
                   <a:noFill/>
                 </a:ln>
@@ -9067,7 +9074,24 @@
                 <a:ea typeface="+mn-ea"/>
                 <a:cs typeface="Segoe UI" pitchFamily="34" charset="0"/>
               </a:rPr>
-              <a:t>ObjectContext</a:t>
+              <a:t>using </a:t>
+            </a:r>
+            <a:r>
+              <a:rPr kumimoji="0" lang="en-US" sz="2000" b="1" i="0" u="none" strike="noStrike" kern="0" cap="none" spc="0" normalizeH="0" noProof="0" smtClean="0">
+                <a:ln>
+                  <a:noFill/>
+                </a:ln>
+                <a:solidFill>
+                  <a:schemeClr val="tx1"/>
+                </a:solidFill>
+                <a:effectLst/>
+                <a:uLnTx/>
+                <a:uFillTx/>
+                <a:latin typeface="Myriad Pro Light" pitchFamily="34" charset="0"/>
+                <a:ea typeface="+mn-ea"/>
+                <a:cs typeface="Segoe UI" pitchFamily="34" charset="0"/>
+              </a:rPr>
+              <a:t>Include</a:t>
             </a:r>
             <a:endParaRPr kumimoji="0" lang="en-US" sz="2000" b="1" i="0" u="none" strike="noStrike" kern="0" cap="none" spc="0" normalizeH="0" baseline="0" noProof="0" dirty="0" smtClean="0">
               <a:ln>
@@ -13114,11 +13138,11 @@
           <a:p>
             <a:r>
               <a:rPr lang="en-US" dirty="0" smtClean="0"/>
-              <a:t>Code first </a:t>
+              <a:t>Code first approach (EF </a:t>
             </a:r>
             <a:r>
               <a:rPr lang="en-US" dirty="0" smtClean="0"/>
-              <a:t>approach (EF 4.1)</a:t>
+              <a:t>4.1+)</a:t>
             </a:r>
             <a:endParaRPr lang="en-US" dirty="0" smtClean="0"/>
           </a:p>
@@ -13133,11 +13157,7 @@
             <a:pPr lvl="1"/>
             <a:r>
               <a:rPr lang="en-US" dirty="0" smtClean="0"/>
-              <a:t>Not "in the box" with 2010 </a:t>
-            </a:r>
-            <a:r>
-              <a:rPr lang="en-US" dirty="0" smtClean="0"/>
-              <a:t>(Easy to install with </a:t>
+              <a:t>Not "in the box" with 2010 (Easy to install with </a:t>
             </a:r>
             <a:r>
               <a:rPr lang="en-US" dirty="0" err="1" smtClean="0"/>
